--- a/Adi_Herianto  - Investigate+Business+Hotel+using+Data+Visualization.pptx
+++ b/Adi_Herianto  - Investigate+Business+Hotel+using+Data+Visualization.pptx
@@ -24,23 +24,16 @@
   <p:notesSz cx="6858000" cy="9144000"/>
   <p:embeddedFontLst>
     <p:embeddedFont>
-      <p:font typeface="Nunito" panose="020B0604020202020204" charset="0"/>
+      <p:font typeface="Dosis" panose="020B0604020202020204" charset="0"/>
       <p:regular r:id="rId14"/>
       <p:bold r:id="rId15"/>
-      <p:italic r:id="rId16"/>
-      <p:boldItalic r:id="rId17"/>
     </p:embeddedFont>
     <p:embeddedFont>
       <p:font typeface="Roboto" panose="020B0604020202020204" charset="0"/>
-      <p:regular r:id="rId18"/>
-      <p:bold r:id="rId19"/>
-      <p:italic r:id="rId20"/>
-      <p:boldItalic r:id="rId21"/>
-    </p:embeddedFont>
-    <p:embeddedFont>
-      <p:font typeface="Dosis" panose="020B0604020202020204" charset="0"/>
-      <p:regular r:id="rId22"/>
-      <p:bold r:id="rId23"/>
+      <p:regular r:id="rId16"/>
+      <p:bold r:id="rId17"/>
+      <p:italic r:id="rId18"/>
+      <p:boldItalic r:id="rId19"/>
     </p:embeddedFont>
   </p:embeddedFontLst>
   <p:defaultTextStyle>
@@ -11770,85 +11763,19 @@
           </a:bodyPr>
           <a:lstStyle/>
           <a:p>
-            <a:pPr marL="0" lvl="0" indent="0" algn="just">
-              <a:lnSpc>
-                <a:spcPct val="95000"/>
-              </a:lnSpc>
-              <a:spcAft>
-                <a:spcPts val="1200"/>
-              </a:spcAft>
-              <a:buSzPts val="1018"/>
-            </a:pPr>
-            <a:r>
-              <a:rPr lang="en" sz="1217" dirty="0" smtClean="0">
-                <a:solidFill>
-                  <a:schemeClr val="dk1"/>
-                </a:solidFill>
-                <a:latin typeface="Nunito"/>
-                <a:ea typeface="Nunito"/>
-                <a:cs typeface="Nunito"/>
-                <a:sym typeface="Nunito"/>
-              </a:rPr>
-              <a:t>“</a:t>
-            </a:r>
-            <a:r>
-              <a:rPr lang="en-US" sz="1217" b="1" dirty="0">
-                <a:latin typeface="Nunito"/>
-                <a:ea typeface="Nunito"/>
-                <a:cs typeface="Nunito"/>
-                <a:sym typeface="Nunito"/>
-              </a:rPr>
-              <a:t>Talented Junior Research and Development with engineering background who is highly interested in data analysis and data communication. Had 1.5+ years of experience in research, a dedicated professional with an aptitude for innovation, creative problem-solving, and analytical </a:t>
-            </a:r>
-            <a:r>
-              <a:rPr lang="en-US" sz="1217" b="1" dirty="0" smtClean="0">
-                <a:latin typeface="Nunito"/>
-                <a:ea typeface="Nunito"/>
-                <a:cs typeface="Nunito"/>
-                <a:sym typeface="Nunito"/>
-              </a:rPr>
-              <a:t>thinking. </a:t>
-            </a:r>
-            <a:r>
-              <a:rPr lang="en-US" sz="1217" b="1" dirty="0">
-                <a:latin typeface="Nunito"/>
-                <a:ea typeface="Nunito"/>
-                <a:cs typeface="Nunito"/>
-                <a:sym typeface="Nunito"/>
-              </a:rPr>
-              <a:t>Highly determined to improve my technical skills as a data scientist and have finished the full stack data science program at </a:t>
-            </a:r>
-            <a:r>
-              <a:rPr lang="en-US" sz="1217" b="1" dirty="0" err="1">
-                <a:latin typeface="Nunito"/>
-                <a:ea typeface="Nunito"/>
-                <a:cs typeface="Nunito"/>
-                <a:sym typeface="Nunito"/>
-              </a:rPr>
+            <a:pPr marL="119063" indent="-4763" algn="just"/>
+            <a:r>
+              <a:rPr lang="en-US" sz="1050" dirty="0"/>
+              <a:t>Talented Junior Research and Development with engineering background who is highly interested in data analysis and data communication. Had 1 year of experience in research, a dedicated professional with an aptitude for innovation, creative problem-solving, and analytical thinking. Have a high interest in Data Science and created 1 group project at three months of studying and have completed several personal mini project related to marketing campaign boosting with machine learning, data visualization using python and analyzing business performance with SQL. Experienced in python and SQL and proficient in deploying machine learning to model algorithms. Highly determined to improve my technical skills as a data scientist and have finished the full stack data science program at </a:t>
+            </a:r>
+            <a:r>
+              <a:rPr lang="en-US" sz="1050" dirty="0" err="1"/>
               <a:t>Rakamin</a:t>
             </a:r>
             <a:r>
-              <a:rPr lang="en-US" sz="1217" b="1" dirty="0">
-                <a:latin typeface="Nunito"/>
-                <a:ea typeface="Nunito"/>
-                <a:cs typeface="Nunito"/>
-                <a:sym typeface="Nunito"/>
-              </a:rPr>
-              <a:t> Academy with excellent grade.</a:t>
-            </a:r>
-            <a:r>
-              <a:rPr lang="en" sz="1217" dirty="0" smtClean="0">
-                <a:solidFill>
-                  <a:schemeClr val="dk1"/>
-                </a:solidFill>
-                <a:latin typeface="Nunito"/>
-                <a:ea typeface="Nunito"/>
-                <a:cs typeface="Nunito"/>
-                <a:sym typeface="Nunito"/>
-              </a:rPr>
-              <a:t>”</a:t>
-            </a:r>
-            <a:endParaRPr sz="2790" dirty="0"/>
+              <a:rPr lang="en-US" sz="1050" dirty="0"/>
+              <a:t> Academy with excellent grade. </a:t>
+            </a:r>
           </a:p>
         </p:txBody>
       </p:sp>
